--- a/Fase 2/Formato Presentación final 2025.pptx
+++ b/Fase 2/Formato Presentación final 2025.pptx
@@ -25,17 +25,16 @@
     <p:sldId id="270" r:id="rId19"/>
     <p:sldId id="271" r:id="rId20"/>
     <p:sldId id="272" r:id="rId21"/>
-    <p:sldId id="273" r:id="rId22"/>
   </p:sldIdLst>
   <p:sldSz cy="6858000" cx="12192000"/>
   <p:notesSz cx="6858000" cy="9144000"/>
   <p:embeddedFontLst>
     <p:embeddedFont>
       <p:font typeface="Century Gothic"/>
-      <p:regular r:id="rId23"/>
-      <p:bold r:id="rId24"/>
-      <p:italic r:id="rId25"/>
-      <p:boldItalic r:id="rId26"/>
+      <p:regular r:id="rId22"/>
+      <p:bold r:id="rId23"/>
+      <p:italic r:id="rId24"/>
+      <p:boldItalic r:id="rId25"/>
     </p:embeddedFont>
   </p:embeddedFontLst>
   <p:defaultTextStyle>
@@ -269,7 +268,7 @@
   </p:defaultTextStyle>
   <p:extLst>
     <p:ext uri="GoogleSlidesCustomDataVersion2">
-      <go:slidesCustomData xmlns:go="http://customooxmlschemas.google.com/" r:id="rId27" roundtripDataSignature="AMtx7milLcObjSeStNBe7og8qwIgLU7HIQ=="/>
+      <go:slidesCustomData xmlns:go="http://customooxmlschemas.google.com/" r:id="rId26" roundtripDataSignature="AMtx7mhVEJc3tOJkk2sPhA1WJxVixVpL4A=="/>
     </p:ext>
   </p:extLst>
 </p:presentation>
@@ -805,7 +804,7 @@
   <p:cSld>
     <p:spTree>
       <p:nvGrpSpPr>
-        <p:cNvPr id="235" name="Shape 235"/>
+        <p:cNvPr id="237" name="Shape 237"/>
         <p:cNvGrpSpPr/>
         <p:nvPr/>
       </p:nvGrpSpPr>
@@ -819,7 +818,7 @@
       </p:grpSpPr>
       <p:sp>
         <p:nvSpPr>
-          <p:cNvPr id="236" name="Google Shape;236;p10:notes"/>
+          <p:cNvPr id="238" name="Google Shape;238;p10:notes"/>
           <p:cNvSpPr txBox="1"/>
           <p:nvPr>
             <p:ph idx="1" type="body"/>
@@ -858,7 +857,7 @@
       </p:sp>
       <p:sp>
         <p:nvSpPr>
-          <p:cNvPr id="237" name="Google Shape;237;p10:notes"/>
+          <p:cNvPr id="239" name="Google Shape;239;p10:notes"/>
           <p:cNvSpPr/>
           <p:nvPr>
             <p:ph idx="2" type="sldImg"/>
@@ -904,7 +903,7 @@
   <p:cSld>
     <p:spTree>
       <p:nvGrpSpPr>
-        <p:cNvPr id="244" name="Shape 244"/>
+        <p:cNvPr id="246" name="Shape 246"/>
         <p:cNvGrpSpPr/>
         <p:nvPr/>
       </p:nvGrpSpPr>
@@ -918,7 +917,7 @@
       </p:grpSpPr>
       <p:sp>
         <p:nvSpPr>
-          <p:cNvPr id="245" name="Google Shape;245;p11:notes"/>
+          <p:cNvPr id="247" name="Google Shape;247;p11:notes"/>
           <p:cNvSpPr txBox="1"/>
           <p:nvPr>
             <p:ph idx="1" type="body"/>
@@ -957,7 +956,7 @@
       </p:sp>
       <p:sp>
         <p:nvSpPr>
-          <p:cNvPr id="246" name="Google Shape;246;p11:notes"/>
+          <p:cNvPr id="248" name="Google Shape;248;p11:notes"/>
           <p:cNvSpPr/>
           <p:nvPr>
             <p:ph idx="2" type="sldImg"/>
@@ -1003,7 +1002,7 @@
   <p:cSld>
     <p:spTree>
       <p:nvGrpSpPr>
-        <p:cNvPr id="253" name="Shape 253"/>
+        <p:cNvPr id="255" name="Shape 255"/>
         <p:cNvGrpSpPr/>
         <p:nvPr/>
       </p:nvGrpSpPr>
@@ -1017,7 +1016,7 @@
       </p:grpSpPr>
       <p:sp>
         <p:nvSpPr>
-          <p:cNvPr id="254" name="Google Shape;254;p12:notes"/>
+          <p:cNvPr id="256" name="Google Shape;256;p12:notes"/>
           <p:cNvSpPr txBox="1"/>
           <p:nvPr>
             <p:ph idx="1" type="body"/>
@@ -1056,7 +1055,7 @@
       </p:sp>
       <p:sp>
         <p:nvSpPr>
-          <p:cNvPr id="255" name="Google Shape;255;p12:notes"/>
+          <p:cNvPr id="257" name="Google Shape;257;p12:notes"/>
           <p:cNvSpPr/>
           <p:nvPr>
             <p:ph idx="2" type="sldImg"/>
@@ -1102,7 +1101,7 @@
   <p:cSld>
     <p:spTree>
       <p:nvGrpSpPr>
-        <p:cNvPr id="263" name="Shape 263"/>
+        <p:cNvPr id="265" name="Shape 265"/>
         <p:cNvGrpSpPr/>
         <p:nvPr/>
       </p:nvGrpSpPr>
@@ -1116,7 +1115,7 @@
       </p:grpSpPr>
       <p:sp>
         <p:nvSpPr>
-          <p:cNvPr id="264" name="Google Shape;264;p13:notes"/>
+          <p:cNvPr id="266" name="Google Shape;266;p13:notes"/>
           <p:cNvSpPr txBox="1"/>
           <p:nvPr>
             <p:ph idx="1" type="body"/>
@@ -1155,7 +1154,7 @@
       </p:sp>
       <p:sp>
         <p:nvSpPr>
-          <p:cNvPr id="265" name="Google Shape;265;p13:notes"/>
+          <p:cNvPr id="267" name="Google Shape;267;p13:notes"/>
           <p:cNvSpPr/>
           <p:nvPr>
             <p:ph idx="2" type="sldImg"/>
@@ -1201,7 +1200,7 @@
   <p:cSld>
     <p:spTree>
       <p:nvGrpSpPr>
-        <p:cNvPr id="272" name="Shape 272"/>
+        <p:cNvPr id="274" name="Shape 274"/>
         <p:cNvGrpSpPr/>
         <p:nvPr/>
       </p:nvGrpSpPr>
@@ -1215,7 +1214,7 @@
       </p:grpSpPr>
       <p:sp>
         <p:nvSpPr>
-          <p:cNvPr id="273" name="Google Shape;273;p14:notes"/>
+          <p:cNvPr id="275" name="Google Shape;275;p14:notes"/>
           <p:cNvSpPr txBox="1"/>
           <p:nvPr>
             <p:ph idx="1" type="body"/>
@@ -1254,7 +1253,7 @@
       </p:sp>
       <p:sp>
         <p:nvSpPr>
-          <p:cNvPr id="274" name="Google Shape;274;p14:notes"/>
+          <p:cNvPr id="276" name="Google Shape;276;p14:notes"/>
           <p:cNvSpPr/>
           <p:nvPr>
             <p:ph idx="2" type="sldImg"/>
@@ -1300,7 +1299,7 @@
   <p:cSld>
     <p:spTree>
       <p:nvGrpSpPr>
-        <p:cNvPr id="281" name="Shape 281"/>
+        <p:cNvPr id="283" name="Shape 283"/>
         <p:cNvGrpSpPr/>
         <p:nvPr/>
       </p:nvGrpSpPr>
@@ -1314,7 +1313,7 @@
       </p:grpSpPr>
       <p:sp>
         <p:nvSpPr>
-          <p:cNvPr id="282" name="Google Shape;282;p15:notes"/>
+          <p:cNvPr id="284" name="Google Shape;284;p15:notes"/>
           <p:cNvSpPr txBox="1"/>
           <p:nvPr>
             <p:ph idx="1" type="body"/>
@@ -1353,7 +1352,7 @@
       </p:sp>
       <p:sp>
         <p:nvSpPr>
-          <p:cNvPr id="283" name="Google Shape;283;p15:notes"/>
+          <p:cNvPr id="285" name="Google Shape;285;p15:notes"/>
           <p:cNvSpPr/>
           <p:nvPr>
             <p:ph idx="2" type="sldImg"/>
@@ -1399,7 +1398,7 @@
   <p:cSld>
     <p:spTree>
       <p:nvGrpSpPr>
-        <p:cNvPr id="289" name="Shape 289"/>
+        <p:cNvPr id="291" name="Shape 291"/>
         <p:cNvGrpSpPr/>
         <p:nvPr/>
       </p:nvGrpSpPr>
@@ -1413,7 +1412,7 @@
       </p:grpSpPr>
       <p:sp>
         <p:nvSpPr>
-          <p:cNvPr id="290" name="Google Shape;290;p16:notes"/>
+          <p:cNvPr id="292" name="Google Shape;292;p16:notes"/>
           <p:cNvSpPr txBox="1"/>
           <p:nvPr>
             <p:ph idx="1" type="body"/>
@@ -1452,7 +1451,7 @@
       </p:sp>
       <p:sp>
         <p:nvSpPr>
-          <p:cNvPr id="291" name="Google Shape;291;p16:notes"/>
+          <p:cNvPr id="293" name="Google Shape;293;p16:notes"/>
           <p:cNvSpPr/>
           <p:nvPr>
             <p:ph idx="2" type="sldImg"/>
@@ -1498,7 +1497,7 @@
   <p:cSld>
     <p:spTree>
       <p:nvGrpSpPr>
-        <p:cNvPr id="295" name="Shape 295"/>
+        <p:cNvPr id="297" name="Shape 297"/>
         <p:cNvGrpSpPr/>
         <p:nvPr/>
       </p:nvGrpSpPr>
@@ -1512,7 +1511,7 @@
       </p:grpSpPr>
       <p:sp>
         <p:nvSpPr>
-          <p:cNvPr id="296" name="Google Shape;296;p17:notes"/>
+          <p:cNvPr id="298" name="Google Shape;298;p18:notes"/>
           <p:cNvSpPr txBox="1"/>
           <p:nvPr>
             <p:ph idx="1" type="body"/>
@@ -1551,106 +1550,7 @@
       </p:sp>
       <p:sp>
         <p:nvSpPr>
-          <p:cNvPr id="297" name="Google Shape;297;p17:notes"/>
-          <p:cNvSpPr/>
-          <p:nvPr>
-            <p:ph idx="2" type="sldImg"/>
-          </p:nvPr>
-        </p:nvSpPr>
-        <p:spPr>
-          <a:xfrm>
-            <a:off x="1143225" y="685800"/>
-            <a:ext cx="4572225" cy="3429000"/>
-          </a:xfrm>
-          <a:custGeom>
-            <a:rect b="b" l="l" r="r" t="t"/>
-            <a:pathLst>
-              <a:path extrusionOk="0" h="120000" w="120000">
-                <a:moveTo>
-                  <a:pt x="0" y="0"/>
-                </a:moveTo>
-                <a:lnTo>
-                  <a:pt x="120000" y="0"/>
-                </a:lnTo>
-                <a:lnTo>
-                  <a:pt x="120000" y="120000"/>
-                </a:lnTo>
-                <a:lnTo>
-                  <a:pt x="0" y="120000"/>
-                </a:lnTo>
-                <a:close/>
-              </a:path>
-            </a:pathLst>
-          </a:custGeom>
-        </p:spPr>
-      </p:sp>
-    </p:spTree>
-  </p:cSld>
-  <p:clrMapOvr>
-    <a:masterClrMapping/>
-  </p:clrMapOvr>
-</p:notes>
-</file>
-
-<file path=ppt/notesSlides/notesSlide18.xml><?xml version="1.0" encoding="utf-8"?>
-<p:notes xmlns:a="http://schemas.openxmlformats.org/drawingml/2006/main" xmlns:r="http://schemas.openxmlformats.org/officeDocument/2006/relationships" xmlns:mc="http://schemas.openxmlformats.org/markup-compatibility/2006" xmlns:mv="urn:schemas-microsoft-com:mac:vml" xmlns:p="http://schemas.openxmlformats.org/presentationml/2006/main" xmlns:c="http://schemas.openxmlformats.org/drawingml/2006/chart" xmlns:dgm="http://schemas.openxmlformats.org/drawingml/2006/diagram" xmlns:o="urn:schemas-microsoft-com:office:office" xmlns:v="urn:schemas-microsoft-com:vml" xmlns:pvml="urn:schemas-microsoft-com:office:powerpoint" xmlns:com="http://schemas.openxmlformats.org/drawingml/2006/compatibility" xmlns:p14="http://schemas.microsoft.com/office/powerpoint/2010/main" xmlns:p15="http://schemas.microsoft.com/office/powerpoint/2012/main" xmlns:ahyp="http://schemas.microsoft.com/office/drawing/2018/hyperlinkcolor" showMasterPhAnim="0" showMasterSp="0">
-  <p:cSld>
-    <p:spTree>
-      <p:nvGrpSpPr>
-        <p:cNvPr id="301" name="Shape 301"/>
-        <p:cNvGrpSpPr/>
-        <p:nvPr/>
-      </p:nvGrpSpPr>
-      <p:grpSpPr>
-        <a:xfrm>
-          <a:off x="0" y="0"/>
-          <a:ext cx="0" cy="0"/>
-          <a:chOff x="0" y="0"/>
-          <a:chExt cx="0" cy="0"/>
-        </a:xfrm>
-      </p:grpSpPr>
-      <p:sp>
-        <p:nvSpPr>
-          <p:cNvPr id="302" name="Google Shape;302;p18:notes"/>
-          <p:cNvSpPr txBox="1"/>
-          <p:nvPr>
-            <p:ph idx="1" type="body"/>
-          </p:nvPr>
-        </p:nvSpPr>
-        <p:spPr>
-          <a:xfrm>
-            <a:off x="685800" y="4343400"/>
-            <a:ext cx="5486400" cy="4114800"/>
-          </a:xfrm>
-          <a:prstGeom prst="rect">
-            <a:avLst/>
-          </a:prstGeom>
-        </p:spPr>
-        <p:txBody>
-          <a:bodyPr anchorCtr="0" anchor="t" bIns="91425" lIns="91425" spcFirstLastPara="1" rIns="91425" wrap="square" tIns="91425">
-            <a:noAutofit/>
-          </a:bodyPr>
-          <a:lstStyle/>
-          <a:p>
-            <a:pPr indent="0" lvl="0" marL="0" rtl="0" algn="l">
-              <a:spcBef>
-                <a:spcPts val="0"/>
-              </a:spcBef>
-              <a:spcAft>
-                <a:spcPts val="0"/>
-              </a:spcAft>
-              <a:buNone/>
-            </a:pPr>
-            <a:r>
-              <a:t/>
-            </a:r>
-            <a:endParaRPr/>
-          </a:p>
-        </p:txBody>
-      </p:sp>
-      <p:sp>
-        <p:nvSpPr>
-          <p:cNvPr id="303" name="Google Shape;303;p18:notes"/>
+          <p:cNvPr id="299" name="Google Shape;299;p18:notes"/>
           <p:cNvSpPr/>
           <p:nvPr>
             <p:ph idx="2" type="sldImg"/>
@@ -2389,7 +2289,7 @@
   <p:cSld>
     <p:spTree>
       <p:nvGrpSpPr>
-        <p:cNvPr id="227" name="Shape 227"/>
+        <p:cNvPr id="228" name="Shape 228"/>
         <p:cNvGrpSpPr/>
         <p:nvPr/>
       </p:nvGrpSpPr>
@@ -2403,7 +2303,7 @@
       </p:grpSpPr>
       <p:sp>
         <p:nvSpPr>
-          <p:cNvPr id="228" name="Google Shape;228;p9:notes"/>
+          <p:cNvPr id="229" name="Google Shape;229;p9:notes"/>
           <p:cNvSpPr txBox="1"/>
           <p:nvPr>
             <p:ph idx="1" type="body"/>
@@ -2442,7 +2342,7 @@
       </p:sp>
       <p:sp>
         <p:nvSpPr>
-          <p:cNvPr id="229" name="Google Shape;229;p9:notes"/>
+          <p:cNvPr id="230" name="Google Shape;230;p9:notes"/>
           <p:cNvSpPr/>
           <p:nvPr>
             <p:ph idx="2" type="sldImg"/>
@@ -17947,7 +17847,7 @@
   <p:cSld>
     <p:spTree>
       <p:nvGrpSpPr>
-        <p:cNvPr id="238" name="Shape 238"/>
+        <p:cNvPr id="240" name="Shape 240"/>
         <p:cNvGrpSpPr/>
         <p:nvPr/>
       </p:nvGrpSpPr>
@@ -17961,7 +17861,7 @@
       </p:grpSpPr>
       <p:pic>
         <p:nvPicPr>
-          <p:cNvPr descr="EscuelaIT Duoc UC - Escuela de Informática y Telecomunicaciones Duoc UC - Duoc  UC | LinkedIn" id="239" name="Google Shape;239;p10"/>
+          <p:cNvPr descr="EscuelaIT Duoc UC - Escuela de Informática y Telecomunicaciones Duoc UC - Duoc  UC | LinkedIn" id="241" name="Google Shape;241;p10"/>
           <p:cNvPicPr preferRelativeResize="0"/>
           <p:nvPr/>
         </p:nvPicPr>
@@ -17988,7 +17888,7 @@
       </p:pic>
       <p:sp>
         <p:nvSpPr>
-          <p:cNvPr id="240" name="Google Shape;240;p10"/>
+          <p:cNvPr id="242" name="Google Shape;242;p10"/>
           <p:cNvSpPr txBox="1"/>
           <p:nvPr/>
         </p:nvSpPr>
@@ -18062,7 +17962,7 @@
       </p:sp>
       <p:sp>
         <p:nvSpPr>
-          <p:cNvPr id="241" name="Google Shape;241;p10"/>
+          <p:cNvPr id="243" name="Google Shape;243;p10"/>
           <p:cNvSpPr txBox="1"/>
           <p:nvPr/>
         </p:nvSpPr>
@@ -18112,7 +18012,7 @@
       </p:sp>
       <p:cxnSp>
         <p:nvCxnSpPr>
-          <p:cNvPr id="242" name="Google Shape;242;p10"/>
+          <p:cNvPr id="244" name="Google Shape;244;p10"/>
           <p:cNvCxnSpPr/>
           <p:nvPr/>
         </p:nvCxnSpPr>
@@ -18138,7 +18038,7 @@
       </p:cxnSp>
       <p:pic>
         <p:nvPicPr>
-          <p:cNvPr descr="Diagrama&#10;&#10;El contenido generado por IA puede ser incorrecto." id="243" name="Google Shape;243;p10"/>
+          <p:cNvPr descr="Diagrama&#10;&#10;El contenido generado por IA puede ser incorrecto." id="245" name="Google Shape;245;p10"/>
           <p:cNvPicPr preferRelativeResize="0"/>
           <p:nvPr/>
         </p:nvPicPr>
@@ -18179,7 +18079,7 @@
   <p:cSld>
     <p:spTree>
       <p:nvGrpSpPr>
-        <p:cNvPr id="247" name="Shape 247"/>
+        <p:cNvPr id="249" name="Shape 249"/>
         <p:cNvGrpSpPr/>
         <p:nvPr/>
       </p:nvGrpSpPr>
@@ -18193,7 +18093,7 @@
       </p:grpSpPr>
       <p:pic>
         <p:nvPicPr>
-          <p:cNvPr descr="EscuelaIT Duoc UC - Escuela de Informática y Telecomunicaciones Duoc UC - Duoc  UC | LinkedIn" id="248" name="Google Shape;248;p11"/>
+          <p:cNvPr descr="EscuelaIT Duoc UC - Escuela de Informática y Telecomunicaciones Duoc UC - Duoc  UC | LinkedIn" id="250" name="Google Shape;250;p11"/>
           <p:cNvPicPr preferRelativeResize="0"/>
           <p:nvPr/>
         </p:nvPicPr>
@@ -18220,7 +18120,7 @@
       </p:pic>
       <p:sp>
         <p:nvSpPr>
-          <p:cNvPr id="249" name="Google Shape;249;p11"/>
+          <p:cNvPr id="251" name="Google Shape;251;p11"/>
           <p:cNvSpPr txBox="1"/>
           <p:nvPr/>
         </p:nvSpPr>
@@ -18294,7 +18194,7 @@
       </p:sp>
       <p:sp>
         <p:nvSpPr>
-          <p:cNvPr id="250" name="Google Shape;250;p11"/>
+          <p:cNvPr id="252" name="Google Shape;252;p11"/>
           <p:cNvSpPr txBox="1"/>
           <p:nvPr/>
         </p:nvSpPr>
@@ -18344,7 +18244,7 @@
       </p:sp>
       <p:cxnSp>
         <p:nvCxnSpPr>
-          <p:cNvPr id="251" name="Google Shape;251;p11"/>
+          <p:cNvPr id="253" name="Google Shape;253;p11"/>
           <p:cNvCxnSpPr/>
           <p:nvPr/>
         </p:nvCxnSpPr>
@@ -18370,7 +18270,7 @@
       </p:cxnSp>
       <p:pic>
         <p:nvPicPr>
-          <p:cNvPr descr="Diagrama&#10;&#10;El contenido generado por IA puede ser incorrecto." id="252" name="Google Shape;252;p11"/>
+          <p:cNvPr descr="Diagrama&#10;&#10;El contenido generado por IA puede ser incorrecto." id="254" name="Google Shape;254;p11"/>
           <p:cNvPicPr preferRelativeResize="0"/>
           <p:nvPr/>
         </p:nvPicPr>
@@ -18411,7 +18311,7 @@
   <p:cSld>
     <p:spTree>
       <p:nvGrpSpPr>
-        <p:cNvPr id="256" name="Shape 256"/>
+        <p:cNvPr id="258" name="Shape 258"/>
         <p:cNvGrpSpPr/>
         <p:nvPr/>
       </p:nvGrpSpPr>
@@ -18425,7 +18325,7 @@
       </p:grpSpPr>
       <p:pic>
         <p:nvPicPr>
-          <p:cNvPr descr="EscuelaIT Duoc UC - Escuela de Informática y Telecomunicaciones Duoc UC - Duoc  UC | LinkedIn" id="257" name="Google Shape;257;p12"/>
+          <p:cNvPr descr="EscuelaIT Duoc UC - Escuela de Informática y Telecomunicaciones Duoc UC - Duoc  UC | LinkedIn" id="259" name="Google Shape;259;p12"/>
           <p:cNvPicPr preferRelativeResize="0"/>
           <p:nvPr/>
         </p:nvPicPr>
@@ -18452,7 +18352,7 @@
       </p:pic>
       <p:sp>
         <p:nvSpPr>
-          <p:cNvPr id="258" name="Google Shape;258;p12"/>
+          <p:cNvPr id="260" name="Google Shape;260;p12"/>
           <p:cNvSpPr txBox="1"/>
           <p:nvPr/>
         </p:nvSpPr>
@@ -18526,7 +18426,7 @@
       </p:sp>
       <p:sp>
         <p:nvSpPr>
-          <p:cNvPr id="259" name="Google Shape;259;p12"/>
+          <p:cNvPr id="261" name="Google Shape;261;p12"/>
           <p:cNvSpPr txBox="1"/>
           <p:nvPr/>
         </p:nvSpPr>
@@ -18600,7 +18500,7 @@
       </p:sp>
       <p:cxnSp>
         <p:nvCxnSpPr>
-          <p:cNvPr id="260" name="Google Shape;260;p12"/>
+          <p:cNvPr id="262" name="Google Shape;262;p12"/>
           <p:cNvCxnSpPr/>
           <p:nvPr/>
         </p:nvCxnSpPr>
@@ -18626,7 +18526,7 @@
       </p:cxnSp>
       <p:sp>
         <p:nvSpPr>
-          <p:cNvPr id="261" name="Google Shape;261;p12"/>
+          <p:cNvPr id="263" name="Google Shape;263;p12"/>
           <p:cNvSpPr txBox="1"/>
           <p:nvPr/>
         </p:nvSpPr>
@@ -18973,7 +18873,7 @@
       </p:sp>
       <p:sp>
         <p:nvSpPr>
-          <p:cNvPr id="262" name="Google Shape;262;p12"/>
+          <p:cNvPr id="264" name="Google Shape;264;p12"/>
           <p:cNvSpPr txBox="1"/>
           <p:nvPr/>
         </p:nvSpPr>
@@ -19364,7 +19264,7 @@
   <p:cSld>
     <p:spTree>
       <p:nvGrpSpPr>
-        <p:cNvPr id="266" name="Shape 266"/>
+        <p:cNvPr id="268" name="Shape 268"/>
         <p:cNvGrpSpPr/>
         <p:nvPr/>
       </p:nvGrpSpPr>
@@ -19378,7 +19278,7 @@
       </p:grpSpPr>
       <p:pic>
         <p:nvPicPr>
-          <p:cNvPr descr="EscuelaIT Duoc UC - Escuela de Informática y Telecomunicaciones Duoc UC - Duoc  UC | LinkedIn" id="267" name="Google Shape;267;p13"/>
+          <p:cNvPr descr="EscuelaIT Duoc UC - Escuela de Informática y Telecomunicaciones Duoc UC - Duoc  UC | LinkedIn" id="269" name="Google Shape;269;p13"/>
           <p:cNvPicPr preferRelativeResize="0"/>
           <p:nvPr/>
         </p:nvPicPr>
@@ -19405,7 +19305,7 @@
       </p:pic>
       <p:sp>
         <p:nvSpPr>
-          <p:cNvPr id="268" name="Google Shape;268;p13"/>
+          <p:cNvPr id="270" name="Google Shape;270;p13"/>
           <p:cNvSpPr txBox="1"/>
           <p:nvPr/>
         </p:nvSpPr>
@@ -19479,7 +19379,7 @@
       </p:sp>
       <p:sp>
         <p:nvSpPr>
-          <p:cNvPr id="269" name="Google Shape;269;p13"/>
+          <p:cNvPr id="271" name="Google Shape;271;p13"/>
           <p:cNvSpPr txBox="1"/>
           <p:nvPr/>
         </p:nvSpPr>
@@ -19529,7 +19429,7 @@
       </p:sp>
       <p:cxnSp>
         <p:nvCxnSpPr>
-          <p:cNvPr id="270" name="Google Shape;270;p13"/>
+          <p:cNvPr id="272" name="Google Shape;272;p13"/>
           <p:cNvCxnSpPr/>
           <p:nvPr/>
         </p:nvCxnSpPr>
@@ -19555,7 +19455,7 @@
       </p:cxnSp>
       <p:sp>
         <p:nvSpPr>
-          <p:cNvPr id="271" name="Google Shape;271;p13"/>
+          <p:cNvPr id="273" name="Google Shape;273;p13"/>
           <p:cNvSpPr/>
           <p:nvPr/>
         </p:nvSpPr>
@@ -19684,16 +19584,12 @@
               <a:buChar char="•"/>
             </a:pPr>
             <a:r>
-              <a:rPr b="1" i="0" lang="es-MX" sz="1800" u="none" cap="none" strike="noStrike">
+              <a:rPr b="1" lang="es-MX" sz="1800">
                 <a:solidFill>
                   <a:schemeClr val="lt1"/>
                 </a:solidFill>
-                <a:latin typeface="Arial"/>
-                <a:ea typeface="Arial"/>
-                <a:cs typeface="Arial"/>
-                <a:sym typeface="Arial"/>
               </a:rPr>
-              <a:t>Supabase</a:t>
+              <a:t>Supa Base</a:t>
             </a:r>
             <a:r>
               <a:rPr b="0" i="0" lang="es-MX" sz="1800" u="none" cap="none" strike="noStrike">
@@ -19737,7 +19633,47 @@
                 <a:cs typeface="Arial"/>
                 <a:sym typeface="Arial"/>
               </a:rPr>
-              <a:t>PostgreSQL (via Supabase)</a:t>
+              <a:t>PostgreSQL (</a:t>
+            </a:r>
+            <a:r>
+              <a:rPr b="1" lang="es-MX" sz="1800">
+                <a:solidFill>
+                  <a:schemeClr val="lt1"/>
+                </a:solidFill>
+              </a:rPr>
+              <a:t>vía</a:t>
+            </a:r>
+            <a:r>
+              <a:rPr b="1" i="0" lang="es-MX" sz="1800" u="none" cap="none" strike="noStrike">
+                <a:solidFill>
+                  <a:schemeClr val="lt1"/>
+                </a:solidFill>
+                <a:latin typeface="Arial"/>
+                <a:ea typeface="Arial"/>
+                <a:cs typeface="Arial"/>
+                <a:sym typeface="Arial"/>
+              </a:rPr>
+              <a:t> </a:t>
+            </a:r>
+            <a:r>
+              <a:rPr b="1" lang="es-MX" sz="1800">
+                <a:solidFill>
+                  <a:schemeClr val="lt1"/>
+                </a:solidFill>
+              </a:rPr>
+              <a:t>Subbase</a:t>
+            </a:r>
+            <a:r>
+              <a:rPr b="1" i="0" lang="es-MX" sz="1800" u="none" cap="none" strike="noStrike">
+                <a:solidFill>
+                  <a:schemeClr val="lt1"/>
+                </a:solidFill>
+                <a:latin typeface="Arial"/>
+                <a:ea typeface="Arial"/>
+                <a:cs typeface="Arial"/>
+                <a:sym typeface="Arial"/>
+              </a:rPr>
+              <a:t>)</a:t>
             </a:r>
             <a:r>
               <a:rPr b="0" i="0" lang="es-MX" sz="1800" u="none" cap="none" strike="noStrike">
@@ -19772,6 +19708,14 @@
               <a:buChar char="•"/>
             </a:pPr>
             <a:r>
+              <a:rPr b="1" lang="es-MX" sz="1800">
+                <a:solidFill>
+                  <a:schemeClr val="lt1"/>
+                </a:solidFill>
+              </a:rPr>
+              <a:t>Supa Base</a:t>
+            </a:r>
+            <a:r>
               <a:rPr b="1" i="0" lang="es-MX" sz="1800" u="none" cap="none" strike="noStrike">
                 <a:solidFill>
                   <a:schemeClr val="lt1"/>
@@ -19781,7 +19725,7 @@
                 <a:cs typeface="Arial"/>
                 <a:sym typeface="Arial"/>
               </a:rPr>
-              <a:t>Supabase Auth</a:t>
+              <a:t> Auth</a:t>
             </a:r>
             <a:r>
               <a:rPr b="0" i="0" lang="es-MX" sz="1800" u="none" cap="none" strike="noStrike">
@@ -19816,6 +19760,14 @@
               <a:buChar char="•"/>
             </a:pPr>
             <a:r>
+              <a:rPr b="1" lang="es-MX" sz="1800">
+                <a:solidFill>
+                  <a:schemeClr val="lt1"/>
+                </a:solidFill>
+              </a:rPr>
+              <a:t>Supa Base</a:t>
+            </a:r>
+            <a:r>
               <a:rPr b="1" i="0" lang="es-MX" sz="1800" u="none" cap="none" strike="noStrike">
                 <a:solidFill>
                   <a:schemeClr val="lt1"/>
@@ -19825,7 +19777,7 @@
                 <a:cs typeface="Arial"/>
                 <a:sym typeface="Arial"/>
               </a:rPr>
-              <a:t>Supabase Realtime</a:t>
+              <a:t> Realtime</a:t>
             </a:r>
             <a:r>
               <a:rPr b="0" i="0" lang="es-MX" sz="1800" u="none" cap="none" strike="noStrike">
@@ -19860,6 +19812,14 @@
               <a:buChar char="•"/>
             </a:pPr>
             <a:r>
+              <a:rPr b="1" lang="es-MX" sz="1800">
+                <a:solidFill>
+                  <a:schemeClr val="lt1"/>
+                </a:solidFill>
+              </a:rPr>
+              <a:t>Supa Base</a:t>
+            </a:r>
+            <a:r>
               <a:rPr b="1" i="0" lang="es-MX" sz="1800" u="none" cap="none" strike="noStrike">
                 <a:solidFill>
                   <a:schemeClr val="lt1"/>
@@ -19869,7 +19829,7 @@
                 <a:cs typeface="Arial"/>
                 <a:sym typeface="Arial"/>
               </a:rPr>
-              <a:t>Supabase Storage</a:t>
+              <a:t> Storage</a:t>
             </a:r>
             <a:r>
               <a:rPr b="0" i="0" lang="es-MX" sz="1800" u="none" cap="none" strike="noStrike">
@@ -20035,7 +19995,7 @@
   <p:cSld>
     <p:spTree>
       <p:nvGrpSpPr>
-        <p:cNvPr id="275" name="Shape 275"/>
+        <p:cNvPr id="277" name="Shape 277"/>
         <p:cNvGrpSpPr/>
         <p:nvPr/>
       </p:nvGrpSpPr>
@@ -20049,7 +20009,7 @@
       </p:grpSpPr>
       <p:pic>
         <p:nvPicPr>
-          <p:cNvPr descr="EscuelaIT Duoc UC - Escuela de Informática y Telecomunicaciones Duoc UC - Duoc  UC | LinkedIn" id="276" name="Google Shape;276;p14"/>
+          <p:cNvPr descr="EscuelaIT Duoc UC - Escuela de Informática y Telecomunicaciones Duoc UC - Duoc  UC | LinkedIn" id="278" name="Google Shape;278;p14"/>
           <p:cNvPicPr preferRelativeResize="0"/>
           <p:nvPr/>
         </p:nvPicPr>
@@ -20076,7 +20036,7 @@
       </p:pic>
       <p:sp>
         <p:nvSpPr>
-          <p:cNvPr id="277" name="Google Shape;277;p14"/>
+          <p:cNvPr id="279" name="Google Shape;279;p14"/>
           <p:cNvSpPr txBox="1"/>
           <p:nvPr/>
         </p:nvSpPr>
@@ -20126,7 +20086,7 @@
       </p:sp>
       <p:pic>
         <p:nvPicPr>
-          <p:cNvPr id="278" name="Google Shape;278;p14" title="tabla producto.png"/>
+          <p:cNvPr id="280" name="Google Shape;280;p14" title="tabla producto.png"/>
           <p:cNvPicPr preferRelativeResize="0"/>
           <p:nvPr/>
         </p:nvPicPr>
@@ -20154,7 +20114,7 @@
       </p:pic>
       <p:pic>
         <p:nvPicPr>
-          <p:cNvPr id="279" name="Google Shape;279;p14" title="imagen_2025-11-19_001250717.png"/>
+          <p:cNvPr id="281" name="Google Shape;281;p14" title="imagen_2025-11-19_001250717.png"/>
           <p:cNvPicPr preferRelativeResize="0"/>
           <p:nvPr/>
         </p:nvPicPr>
@@ -20168,8 +20128,8 @@
         </p:blipFill>
         <p:spPr>
           <a:xfrm>
-            <a:off x="2133825" y="3799620"/>
-            <a:ext cx="3141400" cy="2657781"/>
+            <a:off x="552775" y="3799626"/>
+            <a:ext cx="3532927" cy="2989024"/>
           </a:xfrm>
           <a:prstGeom prst="rect">
             <a:avLst/>
@@ -20182,7 +20142,7 @@
       </p:pic>
       <p:pic>
         <p:nvPicPr>
-          <p:cNvPr id="280" name="Google Shape;280;p14" title="Screenshot_2025-11-19-00-14-04-771_com.example.restaurantsdf.jpg"/>
+          <p:cNvPr id="282" name="Google Shape;282;p14" title="Screenshot_2025-11-19-00-14-04-771_com.example.restaurantsdf.jpg"/>
           <p:cNvPicPr preferRelativeResize="0"/>
           <p:nvPr/>
         </p:nvPicPr>
@@ -20224,7 +20184,7 @@
   <p:cSld>
     <p:spTree>
       <p:nvGrpSpPr>
-        <p:cNvPr id="284" name="Shape 284"/>
+        <p:cNvPr id="286" name="Shape 286"/>
         <p:cNvGrpSpPr/>
         <p:nvPr/>
       </p:nvGrpSpPr>
@@ -20238,7 +20198,7 @@
       </p:grpSpPr>
       <p:pic>
         <p:nvPicPr>
-          <p:cNvPr descr="EscuelaIT Duoc UC - Escuela de Informática y Telecomunicaciones Duoc UC - Duoc  UC | LinkedIn" id="285" name="Google Shape;285;p15"/>
+          <p:cNvPr descr="EscuelaIT Duoc UC - Escuela de Informática y Telecomunicaciones Duoc UC - Duoc  UC | LinkedIn" id="287" name="Google Shape;287;p15"/>
           <p:cNvPicPr preferRelativeResize="0"/>
           <p:nvPr/>
         </p:nvPicPr>
@@ -20265,7 +20225,7 @@
       </p:pic>
       <p:sp>
         <p:nvSpPr>
-          <p:cNvPr id="286" name="Google Shape;286;p15"/>
+          <p:cNvPr id="288" name="Google Shape;288;p15"/>
           <p:cNvSpPr txBox="1"/>
           <p:nvPr/>
         </p:nvSpPr>
@@ -20315,7 +20275,7 @@
       </p:sp>
       <p:pic>
         <p:nvPicPr>
-          <p:cNvPr descr="Businessman Waiting For Five O'clock (proporcionado por Getty Images)" id="287" name="Google Shape;287;p15"/>
+          <p:cNvPr descr="Businessman Waiting For Five O'clock (proporcionado por Getty Images)" id="289" name="Google Shape;289;p15"/>
           <p:cNvPicPr preferRelativeResize="0"/>
           <p:nvPr/>
         </p:nvPicPr>
@@ -20343,7 +20303,7 @@
       </p:pic>
       <p:pic>
         <p:nvPicPr>
-          <p:cNvPr descr="Security camera watching warehouse workers working in the storehouse (proporcionado por Getty Images)" id="288" name="Google Shape;288;p15"/>
+          <p:cNvPr descr="Security camera watching warehouse workers working in the storehouse (proporcionado por Getty Images)" id="290" name="Google Shape;290;p15"/>
           <p:cNvPicPr preferRelativeResize="0"/>
           <p:nvPr/>
         </p:nvPicPr>
@@ -20385,7 +20345,7 @@
   <p:cSld>
     <p:spTree>
       <p:nvGrpSpPr>
-        <p:cNvPr id="292" name="Shape 292"/>
+        <p:cNvPr id="294" name="Shape 294"/>
         <p:cNvGrpSpPr/>
         <p:nvPr/>
       </p:nvGrpSpPr>
@@ -20399,7 +20359,7 @@
       </p:grpSpPr>
       <p:pic>
         <p:nvPicPr>
-          <p:cNvPr descr="EscuelaIT Duoc UC - Escuela de Informática y Telecomunicaciones Duoc UC - Duoc  UC | LinkedIn" id="293" name="Google Shape;293;p16"/>
+          <p:cNvPr descr="EscuelaIT Duoc UC - Escuela de Informática y Telecomunicaciones Duoc UC - Duoc  UC | LinkedIn" id="295" name="Google Shape;295;p16"/>
           <p:cNvPicPr preferRelativeResize="0"/>
           <p:nvPr/>
         </p:nvPicPr>
@@ -20426,7 +20386,7 @@
       </p:pic>
       <p:sp>
         <p:nvSpPr>
-          <p:cNvPr id="294" name="Google Shape;294;p16"/>
+          <p:cNvPr id="296" name="Google Shape;296;p16"/>
           <p:cNvSpPr txBox="1"/>
           <p:nvPr/>
         </p:nvSpPr>
@@ -20522,112 +20482,7 @@
   <p:cSld>
     <p:spTree>
       <p:nvGrpSpPr>
-        <p:cNvPr id="298" name="Shape 298"/>
-        <p:cNvGrpSpPr/>
-        <p:nvPr/>
-      </p:nvGrpSpPr>
-      <p:grpSpPr>
-        <a:xfrm>
-          <a:off x="0" y="0"/>
-          <a:ext cx="0" cy="0"/>
-          <a:chOff x="0" y="0"/>
-          <a:chExt cx="0" cy="0"/>
-        </a:xfrm>
-      </p:grpSpPr>
-      <p:pic>
-        <p:nvPicPr>
-          <p:cNvPr descr="EscuelaIT Duoc UC - Escuela de Informática y Telecomunicaciones Duoc UC - Duoc  UC | LinkedIn" id="299" name="Google Shape;299;p17"/>
-          <p:cNvPicPr preferRelativeResize="0"/>
-          <p:nvPr/>
-        </p:nvPicPr>
-        <p:blipFill rotWithShape="1">
-          <a:blip r:embed="rId3">
-            <a:alphaModFix/>
-          </a:blip>
-          <a:srcRect b="0" l="0" r="0" t="0"/>
-          <a:stretch/>
-        </p:blipFill>
-        <p:spPr>
-          <a:xfrm>
-            <a:off x="8772152" y="207550"/>
-            <a:ext cx="3141406" cy="785352"/>
-          </a:xfrm>
-          <a:prstGeom prst="rect">
-            <a:avLst/>
-          </a:prstGeom>
-          <a:noFill/>
-          <a:ln>
-            <a:noFill/>
-          </a:ln>
-        </p:spPr>
-      </p:pic>
-      <p:sp>
-        <p:nvSpPr>
-          <p:cNvPr id="300" name="Google Shape;300;p17"/>
-          <p:cNvSpPr txBox="1"/>
-          <p:nvPr/>
-        </p:nvSpPr>
-        <p:spPr>
-          <a:xfrm>
-            <a:off x="0" y="3044279"/>
-            <a:ext cx="12191999" cy="769441"/>
-          </a:xfrm>
-          <a:prstGeom prst="rect">
-            <a:avLst/>
-          </a:prstGeom>
-          <a:noFill/>
-          <a:ln>
-            <a:noFill/>
-          </a:ln>
-        </p:spPr>
-        <p:txBody>
-          <a:bodyPr anchorCtr="0" anchor="t" bIns="45700" lIns="91425" spcFirstLastPara="1" rIns="91425" wrap="square" tIns="45700">
-            <a:spAutoFit/>
-          </a:bodyPr>
-          <a:lstStyle/>
-          <a:p>
-            <a:pPr indent="0" lvl="0" marL="0" marR="0" rtl="0" algn="ctr">
-              <a:spcBef>
-                <a:spcPts val="0"/>
-              </a:spcBef>
-              <a:spcAft>
-                <a:spcPts val="0"/>
-              </a:spcAft>
-              <a:buNone/>
-            </a:pPr>
-            <a:r>
-              <a:rPr lang="es-MX" sz="4400">
-                <a:solidFill>
-                  <a:schemeClr val="lt1"/>
-                </a:solidFill>
-                <a:latin typeface="Century Gothic"/>
-                <a:ea typeface="Century Gothic"/>
-                <a:cs typeface="Century Gothic"/>
-                <a:sym typeface="Century Gothic"/>
-              </a:rPr>
-              <a:t>PREGUNTAS DE LA COMISIÓN</a:t>
-            </a:r>
-            <a:endParaRPr/>
-          </a:p>
-        </p:txBody>
-      </p:sp>
-    </p:spTree>
-  </p:cSld>
-  <p:clrMapOvr>
-    <a:masterClrMapping/>
-  </p:clrMapOvr>
-  <p:transition spd="slow">
-    <p:wipe dir="l"/>
-  </p:transition>
-</p:sld>
-</file>
-
-<file path=ppt/slides/slide18.xml><?xml version="1.0" encoding="utf-8"?>
-<p:sld xmlns:a="http://schemas.openxmlformats.org/drawingml/2006/main" xmlns:r="http://schemas.openxmlformats.org/officeDocument/2006/relationships" xmlns:mc="http://schemas.openxmlformats.org/markup-compatibility/2006" xmlns:mv="urn:schemas-microsoft-com:mac:vml" xmlns:p="http://schemas.openxmlformats.org/presentationml/2006/main" xmlns:c="http://schemas.openxmlformats.org/drawingml/2006/chart" xmlns:dgm="http://schemas.openxmlformats.org/drawingml/2006/diagram" xmlns:o="urn:schemas-microsoft-com:office:office" xmlns:v="urn:schemas-microsoft-com:vml" xmlns:pvml="urn:schemas-microsoft-com:office:powerpoint" xmlns:com="http://schemas.openxmlformats.org/drawingml/2006/compatibility" xmlns:p14="http://schemas.microsoft.com/office/powerpoint/2010/main" xmlns:p15="http://schemas.microsoft.com/office/powerpoint/2012/main" xmlns:ahyp="http://schemas.microsoft.com/office/drawing/2018/hyperlinkcolor">
-  <p:cSld>
-    <p:spTree>
-      <p:nvGrpSpPr>
-        <p:cNvPr id="304" name="Shape 304"/>
+        <p:cNvPr id="300" name="Shape 300"/>
         <p:cNvGrpSpPr/>
         <p:nvPr/>
       </p:nvGrpSpPr>
@@ -20641,7 +20496,7 @@
       </p:grpSpPr>
       <p:sp>
         <p:nvSpPr>
-          <p:cNvPr id="305" name="Google Shape;305;p18"/>
+          <p:cNvPr id="301" name="Google Shape;301;p18"/>
           <p:cNvSpPr txBox="1"/>
           <p:nvPr>
             <p:ph type="title"/>
@@ -20690,7 +20545,7 @@
       </p:sp>
       <p:pic>
         <p:nvPicPr>
-          <p:cNvPr descr="foto_preguntas.jpg" id="306" name="Google Shape;306;p18"/>
+          <p:cNvPr descr="foto_preguntas.jpg" id="302" name="Google Shape;302;p18"/>
           <p:cNvPicPr preferRelativeResize="0"/>
           <p:nvPr/>
         </p:nvPicPr>
@@ -20967,7 +20822,7 @@
                 <a:buChar char="•"/>
               </a:pPr>
               <a:r>
-                <a:rPr b="0" i="0" lang="es-MX" sz="2000" u="none" cap="none" strike="noStrike">
+                <a:rPr lang="es-MX" sz="2000">
                   <a:solidFill>
                     <a:schemeClr val="lt1"/>
                   </a:solidFill>
@@ -20976,7 +20831,7 @@
                   <a:cs typeface="Century Gothic"/>
                   <a:sym typeface="Century Gothic"/>
                 </a:rPr>
-                <a:t>Funciones desempeñadas</a:t>
+                <a:t>Coordinación y alineación del equipo</a:t>
               </a:r>
               <a:endParaRPr b="0" i="0" sz="2000" u="none" cap="none" strike="noStrike">
                 <a:solidFill>
@@ -21233,7 +21088,7 @@
                 <a:buChar char="•"/>
               </a:pPr>
               <a:r>
-                <a:rPr b="0" i="0" lang="es-MX" sz="2000" u="none" cap="none" strike="noStrike">
+                <a:rPr lang="es-MX" sz="2000">
                   <a:solidFill>
                     <a:schemeClr val="lt1"/>
                   </a:solidFill>
@@ -21242,7 +21097,7 @@
                   <a:cs typeface="Century Gothic"/>
                   <a:sym typeface="Century Gothic"/>
                 </a:rPr>
-                <a:t>Cargo</a:t>
+                <a:t>Programador en jefe.</a:t>
               </a:r>
               <a:endParaRPr b="0" i="0" sz="2000" u="none" cap="none" strike="noStrike">
                 <a:solidFill>
@@ -21273,7 +21128,7 @@
                 <a:buChar char="•"/>
               </a:pPr>
               <a:r>
-                <a:rPr b="0" i="0" lang="es-MX" sz="2000" u="none" cap="none" strike="noStrike">
+                <a:rPr lang="es-MX" sz="2000">
                   <a:solidFill>
                     <a:schemeClr val="lt1"/>
                   </a:solidFill>
@@ -21282,7 +21137,7 @@
                   <a:cs typeface="Century Gothic"/>
                   <a:sym typeface="Century Gothic"/>
                 </a:rPr>
-                <a:t>Funciones desempeñadas</a:t>
+                <a:t>Programar </a:t>
               </a:r>
               <a:endParaRPr b="0" i="0" sz="2000" u="none" cap="none" strike="noStrike">
                 <a:solidFill>
@@ -21491,7 +21346,7 @@
                 <a:buChar char="•"/>
               </a:pPr>
               <a:r>
-                <a:rPr b="0" i="0" lang="es-MX" sz="2000" u="none" cap="none" strike="noStrike">
+                <a:rPr lang="es-MX" sz="2000">
                   <a:solidFill>
                     <a:schemeClr val="lt1"/>
                   </a:solidFill>
@@ -21500,7 +21355,7 @@
                   <a:cs typeface="Century Gothic"/>
                   <a:sym typeface="Century Gothic"/>
                 </a:rPr>
-                <a:t>Cargo</a:t>
+                <a:t>Scrum master </a:t>
               </a:r>
               <a:endParaRPr b="0" i="0" sz="2000" u="none" cap="none" strike="noStrike">
                 <a:solidFill>
@@ -21531,7 +21386,7 @@
                 <a:buChar char="•"/>
               </a:pPr>
               <a:r>
-                <a:rPr b="0" i="0" lang="es-MX" sz="2000" u="none" cap="none" strike="noStrike">
+                <a:rPr lang="es-MX" sz="2000">
                   <a:solidFill>
                     <a:schemeClr val="lt1"/>
                   </a:solidFill>
@@ -21540,7 +21395,7 @@
                   <a:cs typeface="Century Gothic"/>
                   <a:sym typeface="Century Gothic"/>
                 </a:rPr>
-                <a:t>Funciones desempeñadas</a:t>
+                <a:t>Supervisión del cumplimiento del marco ágil</a:t>
               </a:r>
               <a:endParaRPr b="0" i="0" sz="2000" u="none" cap="none" strike="noStrike">
                 <a:solidFill>
@@ -24848,8 +24703,8 @@
         </p:nvSpPr>
         <p:spPr>
           <a:xfrm>
-            <a:off x="709127" y="3209731"/>
-            <a:ext cx="11084767" cy="2585323"/>
+            <a:off x="553652" y="3209731"/>
+            <a:ext cx="11084700" cy="2667600"/>
           </a:xfrm>
           <a:prstGeom prst="rect">
             <a:avLst/>
@@ -24865,9 +24720,12 @@
           </a:bodyPr>
           <a:lstStyle/>
           <a:p>
-            <a:pPr indent="0" lvl="0" marL="0" marR="0" rtl="0" algn="l">
-              <a:spcBef>
-                <a:spcPts val="0"/>
+            <a:pPr indent="0" lvl="0" marL="457200" rtl="0" algn="l">
+              <a:lnSpc>
+                <a:spcPct val="115000"/>
+              </a:lnSpc>
+              <a:spcBef>
+                <a:spcPts val="1200"/>
               </a:spcBef>
               <a:spcAft>
                 <a:spcPts val="0"/>
@@ -24875,18 +24733,213 @@
               <a:buNone/>
             </a:pPr>
             <a:r>
-              <a:rPr lang="es-MX" sz="1800">
+              <a:rPr b="1" lang="es-MX" sz="2000">
                 <a:solidFill>
                   <a:schemeClr val="lt1"/>
                 </a:solidFill>
-                <a:latin typeface="Century Gothic"/>
-                <a:ea typeface="Century Gothic"/>
-                <a:cs typeface="Century Gothic"/>
-                <a:sym typeface="Century Gothic"/>
               </a:rPr>
-              <a:t>La metodología utilizada se basó en un enfoque iterativo y práctico, combinando análisis de requerimientos, diseño de interfaces, desarrollo incremental y validación constante. Primero se definieron las necesidades del usuario y los procesos clave del restaurante; luego se diseñó la arquitectura del sistema y las pantallas principales. Posteriormente, se implementaron los módulos (login, registro, mesero, cocina y administrador) de forma gradual, integrando Supabase como backend y probando cada funcionalidad a medida que se avanzaba. Durante todo el proceso se realizaron ajustes, pruebas de funcionamiento y mejoras según los resultados obtenidos, garantizando que el proyecto evolucionara de manera coherente con los objetivos planteados y las necesidades reales del sistema.</a:t>
+              <a:t>Metodología</a:t>
             </a:r>
-            <a:endParaRPr/>
+            <a:r>
+              <a:rPr b="1" lang="es-MX" sz="2000">
+                <a:solidFill>
+                  <a:schemeClr val="lt1"/>
+                </a:solidFill>
+              </a:rPr>
+              <a:t> utilizada fue una </a:t>
+            </a:r>
+            <a:r>
+              <a:rPr b="1" lang="es-MX" sz="2000">
+                <a:solidFill>
+                  <a:schemeClr val="lt1"/>
+                </a:solidFill>
+              </a:rPr>
+              <a:t>híbrida</a:t>
+            </a:r>
+            <a:r>
+              <a:rPr b="1" lang="es-MX" sz="2000">
+                <a:solidFill>
+                  <a:schemeClr val="lt1"/>
+                </a:solidFill>
+              </a:rPr>
+              <a:t> entre la tradicional y agil:</a:t>
+            </a:r>
+            <a:endParaRPr b="1" sz="2000">
+              <a:solidFill>
+                <a:schemeClr val="lt1"/>
+              </a:solidFill>
+            </a:endParaRPr>
+          </a:p>
+          <a:p>
+            <a:pPr indent="-336550" lvl="0" marL="457200" rtl="0" algn="l">
+              <a:lnSpc>
+                <a:spcPct val="115000"/>
+              </a:lnSpc>
+              <a:spcBef>
+                <a:spcPts val="1200"/>
+              </a:spcBef>
+              <a:spcAft>
+                <a:spcPts val="0"/>
+              </a:spcAft>
+              <a:buClr>
+                <a:schemeClr val="lt1"/>
+              </a:buClr>
+              <a:buSzPts val="1700"/>
+              <a:buChar char="●"/>
+            </a:pPr>
+            <a:r>
+              <a:rPr lang="es-MX" sz="1700">
+                <a:solidFill>
+                  <a:schemeClr val="lt1"/>
+                </a:solidFill>
+              </a:rPr>
+              <a:t>Combina elementos </a:t>
+            </a:r>
+            <a:r>
+              <a:rPr b="1" lang="es-MX" sz="1700">
+                <a:solidFill>
+                  <a:schemeClr val="lt1"/>
+                </a:solidFill>
+              </a:rPr>
+              <a:t>tradicionales</a:t>
+            </a:r>
+            <a:r>
+              <a:rPr lang="es-MX" sz="1700">
+                <a:solidFill>
+                  <a:schemeClr val="lt1"/>
+                </a:solidFill>
+              </a:rPr>
+              <a:t> (planificación inicial, definición clara de objetivos, roles y cronograma).</a:t>
+            </a:r>
+            <a:br>
+              <a:rPr lang="es-MX" sz="1700">
+                <a:solidFill>
+                  <a:schemeClr val="lt1"/>
+                </a:solidFill>
+              </a:rPr>
+            </a:br>
+            <a:endParaRPr sz="1700">
+              <a:solidFill>
+                <a:schemeClr val="lt1"/>
+              </a:solidFill>
+            </a:endParaRPr>
+          </a:p>
+          <a:p>
+            <a:pPr indent="-336550" lvl="0" marL="457200" rtl="0" algn="l">
+              <a:lnSpc>
+                <a:spcPct val="115000"/>
+              </a:lnSpc>
+              <a:spcBef>
+                <a:spcPts val="0"/>
+              </a:spcBef>
+              <a:spcAft>
+                <a:spcPts val="0"/>
+              </a:spcAft>
+              <a:buClr>
+                <a:schemeClr val="lt1"/>
+              </a:buClr>
+              <a:buSzPts val="1700"/>
+              <a:buChar char="●"/>
+            </a:pPr>
+            <a:r>
+              <a:rPr lang="es-MX" sz="1700">
+                <a:solidFill>
+                  <a:schemeClr val="lt1"/>
+                </a:solidFill>
+              </a:rPr>
+              <a:t>Incorpora prácticas </a:t>
+            </a:r>
+            <a:r>
+              <a:rPr b="1" lang="es-MX" sz="1700">
+                <a:solidFill>
+                  <a:schemeClr val="lt1"/>
+                </a:solidFill>
+              </a:rPr>
+              <a:t>ágiles</a:t>
+            </a:r>
+            <a:r>
+              <a:rPr lang="es-MX" sz="1700">
+                <a:solidFill>
+                  <a:schemeClr val="lt1"/>
+                </a:solidFill>
+              </a:rPr>
+              <a:t> (iteraciones cortas, retroalimentación continua, ajustes frecuentes y entregas parciales).</a:t>
+            </a:r>
+            <a:br>
+              <a:rPr lang="es-MX" sz="1700">
+                <a:solidFill>
+                  <a:schemeClr val="lt1"/>
+                </a:solidFill>
+              </a:rPr>
+            </a:br>
+            <a:endParaRPr sz="1700">
+              <a:solidFill>
+                <a:schemeClr val="lt1"/>
+              </a:solidFill>
+            </a:endParaRPr>
+          </a:p>
+          <a:p>
+            <a:pPr indent="-336550" lvl="0" marL="457200" rtl="0" algn="l">
+              <a:lnSpc>
+                <a:spcPct val="115000"/>
+              </a:lnSpc>
+              <a:spcBef>
+                <a:spcPts val="0"/>
+              </a:spcBef>
+              <a:spcAft>
+                <a:spcPts val="0"/>
+              </a:spcAft>
+              <a:buClr>
+                <a:schemeClr val="lt1"/>
+              </a:buClr>
+              <a:buSzPts val="1700"/>
+              <a:buChar char="●"/>
+            </a:pPr>
+            <a:r>
+              <a:rPr lang="es-MX" sz="1700">
+                <a:solidFill>
+                  <a:schemeClr val="lt1"/>
+                </a:solidFill>
+              </a:rPr>
+              <a:t>Permite mantener </a:t>
+            </a:r>
+            <a:r>
+              <a:rPr b="1" lang="es-MX" sz="1700">
+                <a:solidFill>
+                  <a:schemeClr val="lt1"/>
+                </a:solidFill>
+              </a:rPr>
+              <a:t>orden y control</a:t>
+            </a:r>
+            <a:r>
+              <a:rPr lang="es-MX" sz="1700">
+                <a:solidFill>
+                  <a:schemeClr val="lt1"/>
+                </a:solidFill>
+              </a:rPr>
+              <a:t>, sin perder la </a:t>
+            </a:r>
+            <a:r>
+              <a:rPr b="1" lang="es-MX" sz="1700">
+                <a:solidFill>
+                  <a:schemeClr val="lt1"/>
+                </a:solidFill>
+              </a:rPr>
+              <a:t>flexibilidad</a:t>
+            </a:r>
+            <a:r>
+              <a:rPr lang="es-MX" sz="1700">
+                <a:solidFill>
+                  <a:schemeClr val="lt1"/>
+                </a:solidFill>
+              </a:rPr>
+              <a:t> necesaria ante cambios técnicos y funcionales del proyecto.</a:t>
+            </a:r>
+            <a:endParaRPr sz="1700">
+              <a:solidFill>
+                <a:schemeClr val="lt1"/>
+              </a:solidFill>
+            </a:endParaRPr>
           </a:p>
         </p:txBody>
       </p:sp>
@@ -25212,8 +25265,8 @@
         </p:nvSpPr>
         <p:spPr>
           <a:xfrm>
-            <a:off x="136188" y="368928"/>
-            <a:ext cx="12191999" cy="369332"/>
+            <a:off x="0" y="3"/>
+            <a:ext cx="12192000" cy="369300"/>
           </a:xfrm>
           <a:prstGeom prst="rect">
             <a:avLst/>
@@ -25286,8 +25339,8 @@
         </p:nvSpPr>
         <p:spPr>
           <a:xfrm>
-            <a:off x="0" y="1432655"/>
-            <a:ext cx="12191999" cy="646331"/>
+            <a:off x="-439200" y="444880"/>
+            <a:ext cx="12192000" cy="646500"/>
           </a:xfrm>
           <a:prstGeom prst="rect">
             <a:avLst/>
@@ -25336,8 +25389,8 @@
         </p:nvCxnSpPr>
         <p:spPr>
           <a:xfrm>
-            <a:off x="0" y="758027"/>
-            <a:ext cx="4085617" cy="0"/>
+            <a:off x="104400" y="444877"/>
+            <a:ext cx="4085700" cy="0"/>
           </a:xfrm>
           <a:prstGeom prst="straightConnector1">
             <a:avLst/>
@@ -25354,6 +25407,33 @@
           </a:ln>
         </p:spPr>
       </p:cxnSp>
+      <p:pic>
+        <p:nvPicPr>
+          <p:cNvPr id="227" name="Google Shape;227;p8"/>
+          <p:cNvPicPr preferRelativeResize="0"/>
+          <p:nvPr/>
+        </p:nvPicPr>
+        <p:blipFill rotWithShape="1">
+          <a:blip r:embed="rId4">
+            <a:alphaModFix/>
+          </a:blip>
+          <a:srcRect b="-1062" l="-2134" r="0" t="-1072"/>
+          <a:stretch/>
+        </p:blipFill>
+        <p:spPr>
+          <a:xfrm>
+            <a:off x="3800025" y="1046950"/>
+            <a:ext cx="4382508" cy="5738799"/>
+          </a:xfrm>
+          <a:prstGeom prst="rect">
+            <a:avLst/>
+          </a:prstGeom>
+          <a:noFill/>
+          <a:ln>
+            <a:noFill/>
+          </a:ln>
+        </p:spPr>
+      </p:pic>
     </p:spTree>
   </p:cSld>
   <p:clrMapOvr>
@@ -25370,7 +25450,7 @@
   <p:cSld>
     <p:spTree>
       <p:nvGrpSpPr>
-        <p:cNvPr id="230" name="Shape 230"/>
+        <p:cNvPr id="231" name="Shape 231"/>
         <p:cNvGrpSpPr/>
         <p:nvPr/>
       </p:nvGrpSpPr>
@@ -25384,7 +25464,7 @@
       </p:grpSpPr>
       <p:pic>
         <p:nvPicPr>
-          <p:cNvPr descr="EscuelaIT Duoc UC - Escuela de Informática y Telecomunicaciones Duoc UC - Duoc  UC | LinkedIn" id="231" name="Google Shape;231;p9"/>
+          <p:cNvPr descr="EscuelaIT Duoc UC - Escuela de Informática y Telecomunicaciones Duoc UC - Duoc  UC | LinkedIn" id="232" name="Google Shape;232;p9"/>
           <p:cNvPicPr preferRelativeResize="0"/>
           <p:nvPr/>
         </p:nvPicPr>
@@ -25411,7 +25491,7 @@
       </p:pic>
       <p:sp>
         <p:nvSpPr>
-          <p:cNvPr id="232" name="Google Shape;232;p9"/>
+          <p:cNvPr id="233" name="Google Shape;233;p9"/>
           <p:cNvSpPr txBox="1"/>
           <p:nvPr/>
         </p:nvSpPr>
@@ -25485,14 +25565,14 @@
       </p:sp>
       <p:sp>
         <p:nvSpPr>
-          <p:cNvPr id="233" name="Google Shape;233;p9"/>
+          <p:cNvPr id="234" name="Google Shape;234;p9"/>
           <p:cNvSpPr txBox="1"/>
           <p:nvPr/>
         </p:nvSpPr>
         <p:spPr>
           <a:xfrm>
-            <a:off x="0" y="1432655"/>
-            <a:ext cx="12191999" cy="1015663"/>
+            <a:off x="0" y="897680"/>
+            <a:ext cx="12192000" cy="861900"/>
           </a:xfrm>
           <a:prstGeom prst="rect">
             <a:avLst/>
@@ -25542,16 +25622,7 @@
               <a:buNone/>
             </a:pPr>
             <a:r>
-              <a:rPr lang="es-MX" sz="2400">
-                <a:solidFill>
-                  <a:srgbClr val="0E282A"/>
-                </a:solidFill>
-                <a:latin typeface="Century Gothic"/>
-                <a:ea typeface="Century Gothic"/>
-                <a:cs typeface="Century Gothic"/>
-                <a:sym typeface="Century Gothic"/>
-              </a:rPr>
-              <a:t>*Presentar esquema</a:t>
+              <a:t/>
             </a:r>
             <a:endParaRPr/>
           </a:p>
@@ -25559,7 +25630,7 @@
       </p:sp>
       <p:cxnSp>
         <p:nvCxnSpPr>
-          <p:cNvPr id="234" name="Google Shape;234;p9"/>
+          <p:cNvPr id="235" name="Google Shape;235;p9"/>
           <p:cNvCxnSpPr/>
           <p:nvPr/>
         </p:nvCxnSpPr>
@@ -25583,6 +25654,34 @@
           </a:ln>
         </p:spPr>
       </p:cxnSp>
+      <p:pic>
+        <p:nvPicPr>
+          <p:cNvPr id="236" name="Google Shape;236;p9"/>
+          <p:cNvPicPr preferRelativeResize="0"/>
+          <p:nvPr/>
+        </p:nvPicPr>
+        <p:blipFill>
+          <a:blip r:embed="rId4">
+            <a:alphaModFix/>
+          </a:blip>
+          <a:stretch>
+            <a:fillRect/>
+          </a:stretch>
+        </p:blipFill>
+        <p:spPr>
+          <a:xfrm>
+            <a:off x="2559337" y="1669925"/>
+            <a:ext cx="7073325" cy="5117750"/>
+          </a:xfrm>
+          <a:prstGeom prst="rect">
+            <a:avLst/>
+          </a:prstGeom>
+          <a:noFill/>
+          <a:ln>
+            <a:noFill/>
+          </a:ln>
+        </p:spPr>
+      </p:pic>
     </p:spTree>
   </p:cSld>
   <p:clrMapOvr>
